--- a/Documentation/MausTratos.pptx
+++ b/Documentation/MausTratos.pptx
@@ -9054,7 +9054,7 @@
           <a:p>
             <a:fld id="{3C04E684-10F4-4CC3-A0B9-F03AA7BE37CF}" type="datetimeFigureOut">
               <a:rPr lang="en-US" smtClean="0"/>
-              <a:t>9/12/2021</a:t>
+              <a:t>9/30/2021</a:t>
             </a:fld>
             <a:endParaRPr lang="en-US" dirty="0"/>
           </a:p>
@@ -11544,7 +11544,7 @@
           <a:p>
             <a:fld id="{3C04E684-10F4-4CC3-A0B9-F03AA7BE37CF}" type="datetimeFigureOut">
               <a:rPr lang="en-US" smtClean="0"/>
-              <a:t>9/12/2021</a:t>
+              <a:t>9/30/2021</a:t>
             </a:fld>
             <a:endParaRPr lang="en-US" dirty="0"/>
           </a:p>
@@ -11742,7 +11742,7 @@
           <a:p>
             <a:fld id="{3C04E684-10F4-4CC3-A0B9-F03AA7BE37CF}" type="datetimeFigureOut">
               <a:rPr lang="en-US" smtClean="0"/>
-              <a:t>9/12/2021</a:t>
+              <a:t>9/30/2021</a:t>
             </a:fld>
             <a:endParaRPr lang="en-US" dirty="0"/>
           </a:p>
@@ -11950,7 +11950,7 @@
           <a:p>
             <a:fld id="{3C04E684-10F4-4CC3-A0B9-F03AA7BE37CF}" type="datetimeFigureOut">
               <a:rPr lang="en-US" smtClean="0"/>
-              <a:t>9/12/2021</a:t>
+              <a:t>9/30/2021</a:t>
             </a:fld>
             <a:endParaRPr lang="en-US" dirty="0"/>
           </a:p>
@@ -12745,7 +12745,7 @@
           <a:p>
             <a:fld id="{3C04E684-10F4-4CC3-A0B9-F03AA7BE37CF}" type="datetimeFigureOut">
               <a:rPr lang="en-US" smtClean="0"/>
-              <a:t>9/12/2021</a:t>
+              <a:t>9/30/2021</a:t>
             </a:fld>
             <a:endParaRPr lang="en-US" dirty="0"/>
           </a:p>
@@ -12921,7 +12921,7 @@
           <a:p>
             <a:fld id="{3C04E684-10F4-4CC3-A0B9-F03AA7BE37CF}" type="datetimeFigureOut">
               <a:rPr lang="en-US" smtClean="0"/>
-              <a:t>9/12/2021</a:t>
+              <a:t>9/30/2021</a:t>
             </a:fld>
             <a:endParaRPr lang="en-US" dirty="0"/>
           </a:p>
@@ -13168,7 +13168,7 @@
           <a:p>
             <a:fld id="{3C04E684-10F4-4CC3-A0B9-F03AA7BE37CF}" type="datetimeFigureOut">
               <a:rPr lang="en-US" smtClean="0"/>
-              <a:t>9/12/2021</a:t>
+              <a:t>9/30/2021</a:t>
             </a:fld>
             <a:endParaRPr lang="en-US" dirty="0"/>
           </a:p>
@@ -13400,7 +13400,7 @@
           <a:p>
             <a:fld id="{3C04E684-10F4-4CC3-A0B9-F03AA7BE37CF}" type="datetimeFigureOut">
               <a:rPr lang="en-US" smtClean="0"/>
-              <a:t>9/12/2021</a:t>
+              <a:t>9/30/2021</a:t>
             </a:fld>
             <a:endParaRPr lang="en-US" dirty="0"/>
           </a:p>
@@ -13774,7 +13774,7 @@
           <a:p>
             <a:fld id="{3C04E684-10F4-4CC3-A0B9-F03AA7BE37CF}" type="datetimeFigureOut">
               <a:rPr lang="en-US" smtClean="0"/>
-              <a:t>9/12/2021</a:t>
+              <a:t>9/30/2021</a:t>
             </a:fld>
             <a:endParaRPr lang="en-US" dirty="0"/>
           </a:p>
@@ -13897,7 +13897,7 @@
           <a:p>
             <a:fld id="{3C04E684-10F4-4CC3-A0B9-F03AA7BE37CF}" type="datetimeFigureOut">
               <a:rPr lang="en-US" smtClean="0"/>
-              <a:t>9/12/2021</a:t>
+              <a:t>9/30/2021</a:t>
             </a:fld>
             <a:endParaRPr lang="en-US" dirty="0"/>
           </a:p>
@@ -13992,7 +13992,7 @@
           <a:p>
             <a:fld id="{3C04E684-10F4-4CC3-A0B9-F03AA7BE37CF}" type="datetimeFigureOut">
               <a:rPr lang="en-US" smtClean="0"/>
-              <a:t>9/12/2021</a:t>
+              <a:t>9/30/2021</a:t>
             </a:fld>
             <a:endParaRPr lang="en-US" dirty="0"/>
           </a:p>
@@ -14717,7 +14717,7 @@
           <a:p>
             <a:fld id="{3C04E684-10F4-4CC3-A0B9-F03AA7BE37CF}" type="datetimeFigureOut">
               <a:rPr lang="en-US" smtClean="0"/>
-              <a:t>9/12/2021</a:t>
+              <a:t>9/30/2021</a:t>
             </a:fld>
             <a:endParaRPr lang="en-US" dirty="0"/>
           </a:p>
@@ -14984,7 +14984,7 @@
           <a:p>
             <a:fld id="{3C04E684-10F4-4CC3-A0B9-F03AA7BE37CF}" type="datetimeFigureOut">
               <a:rPr lang="en-US" smtClean="0"/>
-              <a:t>9/12/2021</a:t>
+              <a:t>9/30/2021</a:t>
             </a:fld>
             <a:endParaRPr lang="en-US" dirty="0"/>
           </a:p>
@@ -15247,7 +15247,7 @@
           <a:p>
             <a:fld id="{3C04E684-10F4-4CC3-A0B9-F03AA7BE37CF}" type="datetimeFigureOut">
               <a:rPr lang="en-US" smtClean="0"/>
-              <a:t>9/12/2021</a:t>
+              <a:t>9/30/2021</a:t>
             </a:fld>
             <a:endParaRPr lang="en-US" dirty="0"/>
           </a:p>
@@ -15498,7 +15498,7 @@
           <a:p>
             <a:fld id="{3C04E684-10F4-4CC3-A0B9-F03AA7BE37CF}" type="datetimeFigureOut">
               <a:rPr lang="en-US" smtClean="0"/>
-              <a:t>9/12/2021</a:t>
+              <a:t>9/30/2021</a:t>
             </a:fld>
             <a:endParaRPr lang="en-US" dirty="0"/>
           </a:p>
@@ -15812,7 +15812,7 @@
           <a:p>
             <a:fld id="{3C04E684-10F4-4CC3-A0B9-F03AA7BE37CF}" type="datetimeFigureOut">
               <a:rPr lang="en-US" smtClean="0"/>
-              <a:t>9/12/2021</a:t>
+              <a:t>9/30/2021</a:t>
             </a:fld>
             <a:endParaRPr lang="en-US" dirty="0"/>
           </a:p>
@@ -16153,7 +16153,7 @@
           <a:p>
             <a:fld id="{3C04E684-10F4-4CC3-A0B9-F03AA7BE37CF}" type="datetimeFigureOut">
               <a:rPr lang="en-US" smtClean="0"/>
-              <a:t>9/12/2021</a:t>
+              <a:t>9/30/2021</a:t>
             </a:fld>
             <a:endParaRPr lang="en-US" dirty="0"/>
           </a:p>
@@ -16467,7 +16467,7 @@
           <a:p>
             <a:fld id="{3C04E684-10F4-4CC3-A0B9-F03AA7BE37CF}" type="datetimeFigureOut">
               <a:rPr lang="en-US" smtClean="0"/>
-              <a:t>9/12/2021</a:t>
+              <a:t>9/30/2021</a:t>
             </a:fld>
             <a:endParaRPr lang="en-US" dirty="0"/>
           </a:p>
@@ -16860,7 +16860,7 @@
           <a:p>
             <a:fld id="{3C04E684-10F4-4CC3-A0B9-F03AA7BE37CF}" type="datetimeFigureOut">
               <a:rPr lang="en-US" smtClean="0"/>
-              <a:t>9/12/2021</a:t>
+              <a:t>9/30/2021</a:t>
             </a:fld>
             <a:endParaRPr lang="en-US" dirty="0"/>
           </a:p>
@@ -17030,7 +17030,7 @@
           <a:p>
             <a:fld id="{3C04E684-10F4-4CC3-A0B9-F03AA7BE37CF}" type="datetimeFigureOut">
               <a:rPr lang="en-US" smtClean="0"/>
-              <a:t>9/12/2021</a:t>
+              <a:t>9/30/2021</a:t>
             </a:fld>
             <a:endParaRPr lang="en-US" dirty="0"/>
           </a:p>
@@ -17210,7 +17210,7 @@
           <a:p>
             <a:fld id="{3C04E684-10F4-4CC3-A0B9-F03AA7BE37CF}" type="datetimeFigureOut">
               <a:rPr lang="en-US" smtClean="0"/>
-              <a:t>9/12/2021</a:t>
+              <a:t>9/30/2021</a:t>
             </a:fld>
             <a:endParaRPr lang="en-US" dirty="0"/>
           </a:p>
@@ -17840,7 +17840,7 @@
           <a:p>
             <a:fld id="{3C04E684-10F4-4CC3-A0B9-F03AA7BE37CF}" type="datetimeFigureOut">
               <a:rPr lang="en-US" smtClean="0"/>
-              <a:t>9/12/2021</a:t>
+              <a:t>9/30/2021</a:t>
             </a:fld>
             <a:endParaRPr lang="en-US" dirty="0"/>
           </a:p>
@@ -18640,7 +18640,7 @@
           <a:p>
             <a:fld id="{3C04E684-10F4-4CC3-A0B9-F03AA7BE37CF}" type="datetimeFigureOut">
               <a:rPr lang="en-US" smtClean="0"/>
-              <a:t>9/12/2021</a:t>
+              <a:t>9/30/2021</a:t>
             </a:fld>
             <a:endParaRPr lang="en-US" dirty="0"/>
           </a:p>
@@ -19591,7 +19591,7 @@
           <a:p>
             <a:fld id="{3C04E684-10F4-4CC3-A0B9-F03AA7BE37CF}" type="datetimeFigureOut">
               <a:rPr lang="en-US" smtClean="0"/>
-              <a:t>9/12/2021</a:t>
+              <a:t>9/30/2021</a:t>
             </a:fld>
             <a:endParaRPr lang="en-US" dirty="0"/>
           </a:p>
@@ -21940,7 +21940,7 @@
           <a:p>
             <a:fld id="{3C04E684-10F4-4CC3-A0B9-F03AA7BE37CF}" type="datetimeFigureOut">
               <a:rPr lang="en-US" smtClean="0"/>
-              <a:t>9/12/2021</a:t>
+              <a:t>9/30/2021</a:t>
             </a:fld>
             <a:endParaRPr lang="en-US" dirty="0"/>
           </a:p>
@@ -22053,7 +22053,7 @@
           <a:p>
             <a:fld id="{3C04E684-10F4-4CC3-A0B9-F03AA7BE37CF}" type="datetimeFigureOut">
               <a:rPr lang="en-US" smtClean="0"/>
-              <a:t>9/12/2021</a:t>
+              <a:t>9/30/2021</a:t>
             </a:fld>
             <a:endParaRPr lang="en-US" dirty="0"/>
           </a:p>
@@ -22560,7 +22560,7 @@
           <a:p>
             <a:fld id="{3C04E684-10F4-4CC3-A0B9-F03AA7BE37CF}" type="datetimeFigureOut">
               <a:rPr lang="en-US" smtClean="0"/>
-              <a:t>9/12/2021</a:t>
+              <a:t>9/30/2021</a:t>
             </a:fld>
             <a:endParaRPr lang="en-US" dirty="0"/>
           </a:p>
@@ -23863,7 +23863,7 @@
           <a:p>
             <a:fld id="{3C04E684-10F4-4CC3-A0B9-F03AA7BE37CF}" type="datetimeFigureOut">
               <a:rPr lang="en-US" smtClean="0"/>
-              <a:t>9/12/2021</a:t>
+              <a:t>9/30/2021</a:t>
             </a:fld>
             <a:endParaRPr lang="en-US" dirty="0"/>
           </a:p>
@@ -24110,7 +24110,7 @@
           <a:p>
             <a:fld id="{3C04E684-10F4-4CC3-A0B9-F03AA7BE37CF}" type="datetimeFigureOut">
               <a:rPr lang="en-US" smtClean="0"/>
-              <a:t>9/12/2021</a:t>
+              <a:t>9/30/2021</a:t>
             </a:fld>
             <a:endParaRPr lang="en-US" dirty="0"/>
           </a:p>
@@ -25193,7 +25193,7 @@
           <a:p>
             <a:fld id="{3C04E684-10F4-4CC3-A0B9-F03AA7BE37CF}" type="datetimeFigureOut">
               <a:rPr lang="en-US" smtClean="0"/>
-              <a:t>9/12/2021</a:t>
+              <a:t>9/30/2021</a:t>
             </a:fld>
             <a:endParaRPr lang="en-US" dirty="0"/>
           </a:p>
@@ -25858,7 +25858,15 @@
           <a:p>
             <a:r>
               <a:rPr lang="pt-BR" sz="1600" dirty="0"/>
-              <a:t>Guilherme Werner, Lucas Cabral, Matheus Ribeiro.</a:t>
+              <a:t>Guilherme Werner, </a:t>
+            </a:r>
+            <a:r>
+              <a:rPr lang="pt-BR" sz="1600" dirty="0" err="1"/>
+              <a:t>Layla</a:t>
+            </a:r>
+            <a:r>
+              <a:rPr lang="pt-BR" sz="1600" dirty="0"/>
+              <a:t> Raissa, Lucas Cabral, Matheus Ribeiro.</a:t>
             </a:r>
           </a:p>
           <a:p>
